--- a/Week3_Example.pptx
+++ b/Week3_Example.pptx
@@ -3619,9 +3619,12 @@
           <a:p>
             <a:pPr algn="just"/>
             <a:r>
-              <a:rPr lang="zh-TW" altLang="en-US" dirty="0"/>
+              <a:rPr lang="zh-TW" altLang="en-US" dirty="0">
+                <a:hlinkClick r:id="rId3"/>
+              </a:rPr>
               <a:t>範例程式碼</a:t>
             </a:r>
+            <a:endParaRPr lang="zh-TW" altLang="en-US" dirty="0"/>
           </a:p>
         </p:txBody>
       </p:sp>
@@ -4840,35 +4843,55 @@
           <a:p>
             <a:pPr algn="just"/>
             <a:r>
-              <a:rPr lang="zh-TW" altLang="en-US" dirty="0"/>
+              <a:rPr lang="zh-TW" altLang="en-US" dirty="0">
+                <a:hlinkClick r:id="rId2"/>
+              </a:rPr>
               <a:t>範例程式碼</a:t>
             </a:r>
             <a:r>
-              <a:rPr lang="en-US" altLang="zh-TW" dirty="0"/>
+              <a:rPr lang="en-US" altLang="zh-TW" dirty="0">
+                <a:hlinkClick r:id="rId2"/>
+              </a:rPr>
               <a:t>(</a:t>
             </a:r>
             <a:r>
-              <a:rPr lang="zh-TW" altLang="en-US" dirty="0"/>
+              <a:rPr lang="zh-TW" altLang="en-US" dirty="0">
+                <a:hlinkClick r:id="rId2"/>
+              </a:rPr>
               <a:t>嵌入</a:t>
             </a:r>
             <a:r>
-              <a:rPr lang="en-US" altLang="zh-TW" dirty="0"/>
+              <a:rPr lang="en-US" altLang="zh-TW" dirty="0">
+                <a:hlinkClick r:id="rId2"/>
+              </a:rPr>
               <a:t>)</a:t>
             </a:r>
             <a:r>
               <a:rPr lang="zh-TW" altLang="en-US" dirty="0"/>
-              <a:t>、範例程式碼</a:t>
-            </a:r>
-            <a:r>
-              <a:rPr lang="en-US" altLang="zh-TW" dirty="0"/>
+              <a:t>、</a:t>
+            </a:r>
+            <a:r>
+              <a:rPr lang="zh-TW" altLang="en-US" dirty="0">
+                <a:hlinkClick r:id="rId3"/>
+              </a:rPr>
+              <a:t>範例程式碼</a:t>
+            </a:r>
+            <a:r>
+              <a:rPr lang="en-US" altLang="zh-TW" dirty="0">
+                <a:hlinkClick r:id="rId3"/>
+              </a:rPr>
               <a:t>(</a:t>
             </a:r>
             <a:r>
-              <a:rPr lang="zh-TW" altLang="en-US" dirty="0"/>
+              <a:rPr lang="zh-TW" altLang="en-US" dirty="0">
+                <a:hlinkClick r:id="rId3"/>
+              </a:rPr>
               <a:t>多重</a:t>
             </a:r>
             <a:r>
-              <a:rPr lang="en-US" altLang="zh-TW" dirty="0"/>
+              <a:rPr lang="en-US" altLang="zh-TW" dirty="0">
+                <a:hlinkClick r:id="rId3"/>
+              </a:rPr>
               <a:t>)</a:t>
             </a:r>
             <a:endParaRPr lang="zh-TW" altLang="en-US" dirty="0"/>
@@ -5291,9 +5314,12 @@
           <a:p>
             <a:pPr algn="just"/>
             <a:r>
-              <a:rPr lang="zh-TW" altLang="en-US" dirty="0"/>
+              <a:rPr lang="zh-TW" altLang="en-US" dirty="0">
+                <a:hlinkClick r:id="rId2"/>
+              </a:rPr>
               <a:t>範例程式碼</a:t>
             </a:r>
+            <a:endParaRPr lang="zh-TW" altLang="en-US" dirty="0"/>
           </a:p>
         </p:txBody>
       </p:sp>
